--- a/paperWork/Petrov_Konstantin_5130904_30003.pptx
+++ b/paperWork/Petrov_Konstantin_5130904_30003.pptx
@@ -111,6 +111,11 @@
       </a:defRPr>
     </a:lvl9pPr>
   </p:defaultTextStyle>
+  <p:extLst>
+    <p:ext uri="{EFAFB233-063F-42B5-8137-9DF3F51BA10A}">
+      <p15:sldGuideLst xmlns:p15="http://schemas.microsoft.com/office/powerpoint/2012/main"/>
+    </p:ext>
+  </p:extLst>
 </p:presentation>
 </file>
 
@@ -6060,7 +6065,12 @@
             <p:ph idx="1"/>
           </p:nvPr>
         </p:nvSpPr>
-        <p:spPr/>
+        <p:spPr>
+          <a:xfrm>
+            <a:off x="684212" y="685800"/>
+            <a:ext cx="2819101" cy="3615267"/>
+          </a:xfrm>
+        </p:spPr>
         <p:txBody>
           <a:bodyPr/>
           <a:lstStyle/>
@@ -6069,12 +6079,12 @@
               <a:rPr lang="ru-RU" dirty="0"/>
               <a:t>Файл 9,6 МБ</a:t>
             </a:r>
-            <a:br>
+            <a:endParaRPr lang="en-US" dirty="0"/>
+          </a:p>
+          <a:p>
+            <a:r>
               <a:rPr lang="ru-RU" dirty="0"/>
-            </a:br>
-            <a:r>
-              <a:rPr lang="ru-RU" dirty="0"/>
-              <a:t>Коды создаются</a:t>
+              <a:t>Время работы в секундах</a:t>
             </a:r>
             <a:br>
               <a:rPr lang="ru-RU" dirty="0"/>
@@ -6132,10 +6142,10 @@
       </p:pic>
       <p:pic>
         <p:nvPicPr>
-          <p:cNvPr id="6152" name="Picture 8">
+          <p:cNvPr id="1026" name="Picture 2">
             <a:extLst>
               <a:ext uri="{FF2B5EF4-FFF2-40B4-BE49-F238E27FC236}">
-                <a16:creationId xmlns:a16="http://schemas.microsoft.com/office/drawing/2014/main" id="{BF41737F-017C-799A-8BD2-E4F00EEB015A}"/>
+                <a16:creationId xmlns:a16="http://schemas.microsoft.com/office/drawing/2014/main" id="{9B66C349-3A5A-2395-70EE-2BA81F7B9C7F}"/>
               </a:ext>
             </a:extLst>
           </p:cNvPr>
@@ -6159,8 +6169,8 @@
         </p:blipFill>
         <p:spPr bwMode="auto">
           <a:xfrm>
-            <a:off x="3503314" y="2192866"/>
-            <a:ext cx="8316510" cy="2040125"/>
+            <a:off x="3503313" y="2192867"/>
+            <a:ext cx="8384055" cy="2108200"/>
           </a:xfrm>
           <a:prstGeom prst="rect">
             <a:avLst/>
